--- a/Week 04 - Bootstrap.pptx
+++ b/Week 04 - Bootstrap.pptx
@@ -11,13 +11,14 @@
     <p:sldId id="268" r:id="rId5"/>
     <p:sldId id="259" r:id="rId6"/>
     <p:sldId id="261" r:id="rId7"/>
-    <p:sldId id="262" r:id="rId8"/>
-    <p:sldId id="260" r:id="rId9"/>
-    <p:sldId id="263" r:id="rId10"/>
-    <p:sldId id="266" r:id="rId11"/>
-    <p:sldId id="267" r:id="rId12"/>
-    <p:sldId id="269" r:id="rId13"/>
-    <p:sldId id="270" r:id="rId14"/>
+    <p:sldId id="271" r:id="rId8"/>
+    <p:sldId id="262" r:id="rId9"/>
+    <p:sldId id="260" r:id="rId10"/>
+    <p:sldId id="263" r:id="rId11"/>
+    <p:sldId id="266" r:id="rId12"/>
+    <p:sldId id="267" r:id="rId13"/>
+    <p:sldId id="269" r:id="rId14"/>
+    <p:sldId id="270" r:id="rId15"/>
   </p:sldIdLst>
   <p:sldSz cx="12192000" cy="6858000"/>
   <p:notesSz cx="6858000" cy="9144000"/>
@@ -341,7 +342,7 @@
           <a:p>
             <a:fld id="{EFB2549F-BB86-FB45-A8E9-04AF9E57C19A}" type="datetimeFigureOut">
               <a:rPr lang="en-US" smtClean="0"/>
-              <a:t>9/14/21</a:t>
+              <a:t>7/30/22</a:t>
             </a:fld>
             <a:endParaRPr lang="en-US"/>
           </a:p>
@@ -676,7 +677,7 @@
           <a:p>
             <a:fld id="{EFB2549F-BB86-FB45-A8E9-04AF9E57C19A}" type="datetimeFigureOut">
               <a:rPr lang="en-US" smtClean="0"/>
-              <a:t>9/14/21</a:t>
+              <a:t>7/30/22</a:t>
             </a:fld>
             <a:endParaRPr lang="en-US"/>
           </a:p>
@@ -979,7 +980,7 @@
           <a:p>
             <a:fld id="{EFB2549F-BB86-FB45-A8E9-04AF9E57C19A}" type="datetimeFigureOut">
               <a:rPr lang="en-US" smtClean="0"/>
-              <a:t>9/14/21</a:t>
+              <a:t>7/30/22</a:t>
             </a:fld>
             <a:endParaRPr lang="en-US"/>
           </a:p>
@@ -1227,7 +1228,7 @@
           <a:p>
             <a:fld id="{EFB2549F-BB86-FB45-A8E9-04AF9E57C19A}" type="datetimeFigureOut">
               <a:rPr lang="en-US" smtClean="0"/>
-              <a:t>9/14/21</a:t>
+              <a:t>7/30/22</a:t>
             </a:fld>
             <a:endParaRPr lang="en-US"/>
           </a:p>
@@ -1635,7 +1636,7 @@
           <a:p>
             <a:fld id="{EFB2549F-BB86-FB45-A8E9-04AF9E57C19A}" type="datetimeFigureOut">
               <a:rPr lang="en-US" smtClean="0"/>
-              <a:t>9/14/21</a:t>
+              <a:t>7/30/22</a:t>
             </a:fld>
             <a:endParaRPr lang="en-US"/>
           </a:p>
@@ -1950,7 +1951,7 @@
           <a:p>
             <a:fld id="{EFB2549F-BB86-FB45-A8E9-04AF9E57C19A}" type="datetimeFigureOut">
               <a:rPr lang="en-US" smtClean="0"/>
-              <a:t>9/14/21</a:t>
+              <a:t>7/30/22</a:t>
             </a:fld>
             <a:endParaRPr lang="en-US"/>
           </a:p>
@@ -2495,7 +2496,7 @@
           <a:p>
             <a:fld id="{EFB2549F-BB86-FB45-A8E9-04AF9E57C19A}" type="datetimeFigureOut">
               <a:rPr lang="en-US" smtClean="0"/>
-              <a:t>9/14/21</a:t>
+              <a:t>7/30/22</a:t>
             </a:fld>
             <a:endParaRPr lang="en-US"/>
           </a:p>
@@ -2691,7 +2692,7 @@
           <a:p>
             <a:fld id="{EFB2549F-BB86-FB45-A8E9-04AF9E57C19A}" type="datetimeFigureOut">
               <a:rPr lang="en-US" smtClean="0"/>
-              <a:t>9/14/21</a:t>
+              <a:t>7/30/22</a:t>
             </a:fld>
             <a:endParaRPr lang="en-US"/>
           </a:p>
@@ -2905,7 +2906,7 @@
           <a:p>
             <a:fld id="{EFB2549F-BB86-FB45-A8E9-04AF9E57C19A}" type="datetimeFigureOut">
               <a:rPr lang="en-US" smtClean="0"/>
-              <a:t>9/14/21</a:t>
+              <a:t>7/30/22</a:t>
             </a:fld>
             <a:endParaRPr lang="en-US"/>
           </a:p>
@@ -3275,7 +3276,7 @@
           <a:p>
             <a:fld id="{EFB2549F-BB86-FB45-A8E9-04AF9E57C19A}" type="datetimeFigureOut">
               <a:rPr lang="en-US" smtClean="0"/>
-              <a:t>9/14/21</a:t>
+              <a:t>7/30/22</a:t>
             </a:fld>
             <a:endParaRPr lang="en-US"/>
           </a:p>
@@ -3679,7 +3680,7 @@
           <a:p>
             <a:fld id="{EFB2549F-BB86-FB45-A8E9-04AF9E57C19A}" type="datetimeFigureOut">
               <a:rPr lang="en-US" smtClean="0"/>
-              <a:t>9/14/21</a:t>
+              <a:t>7/30/22</a:t>
             </a:fld>
             <a:endParaRPr lang="en-US"/>
           </a:p>
@@ -3991,7 +3992,7 @@
           <a:p>
             <a:fld id="{EFB2549F-BB86-FB45-A8E9-04AF9E57C19A}" type="datetimeFigureOut">
               <a:rPr lang="en-US" smtClean="0"/>
-              <a:t>9/14/21</a:t>
+              <a:t>7/30/22</a:t>
             </a:fld>
             <a:endParaRPr lang="en-US"/>
           </a:p>
@@ -4616,6 +4617,622 @@
           <a:p>
             <a:r>
               <a:rPr lang="en-US" dirty="0"/>
+              <a:t>Medium Screen</a:t>
+            </a:r>
+          </a:p>
+        </p:txBody>
+      </p:sp>
+      <p:sp>
+        <p:nvSpPr>
+          <p:cNvPr id="3" name="Content Placeholder 2">
+            <a:extLst>
+              <a:ext uri="{FF2B5EF4-FFF2-40B4-BE49-F238E27FC236}">
+                <a16:creationId xmlns:a16="http://schemas.microsoft.com/office/drawing/2014/main" id="{0857B819-6463-7544-86B3-ED310B15A1EE}"/>
+              </a:ext>
+            </a:extLst>
+          </p:cNvPr>
+          <p:cNvSpPr>
+            <a:spLocks noGrp="1"/>
+          </p:cNvSpPr>
+          <p:nvPr>
+            <p:ph idx="1"/>
+          </p:nvPr>
+        </p:nvSpPr>
+        <p:spPr>
+          <a:xfrm>
+            <a:off x="2741930" y="2268187"/>
+            <a:ext cx="8385249" cy="2546082"/>
+          </a:xfrm>
+        </p:spPr>
+        <p:txBody>
+          <a:bodyPr>
+            <a:normAutofit/>
+          </a:bodyPr>
+          <a:lstStyle/>
+          <a:p>
+            <a:pPr>
+              <a:spcBef>
+                <a:spcPts val="400"/>
+              </a:spcBef>
+            </a:pPr>
+            <a:r>
+              <a:rPr lang="en-US" dirty="0"/>
+              <a:t>&lt;DIV&gt;s 1,2,3 are defined </a:t>
+            </a:r>
+            <a:r>
+              <a:rPr lang="en-US" dirty="0">
+                <a:solidFill>
+                  <a:schemeClr val="tx2">
+                    <a:lumMod val="75000"/>
+                  </a:schemeClr>
+                </a:solidFill>
+              </a:rPr>
+              <a:t>col-md-3</a:t>
+            </a:r>
+          </a:p>
+          <a:p>
+            <a:pPr>
+              <a:spcBef>
+                <a:spcPts val="400"/>
+              </a:spcBef>
+            </a:pPr>
+            <a:r>
+              <a:rPr lang="en-US" dirty="0"/>
+              <a:t>&lt;DIV&gt;s 4,5,6 are defined </a:t>
+            </a:r>
+            <a:r>
+              <a:rPr lang="en-US" dirty="0">
+                <a:solidFill>
+                  <a:schemeClr val="tx2">
+                    <a:lumMod val="75000"/>
+                  </a:schemeClr>
+                </a:solidFill>
+              </a:rPr>
+              <a:t>col-md-4</a:t>
+            </a:r>
+          </a:p>
+          <a:p>
+            <a:pPr>
+              <a:spcBef>
+                <a:spcPts val="400"/>
+              </a:spcBef>
+            </a:pPr>
+            <a:r>
+              <a:rPr lang="en-US" dirty="0">
+                <a:solidFill>
+                  <a:schemeClr val="tx2">
+                    <a:lumMod val="75000"/>
+                  </a:schemeClr>
+                </a:solidFill>
+              </a:rPr>
+              <a:t>3 + 3 + 3 + 5 = </a:t>
+            </a:r>
+            <a:r>
+              <a:rPr lang="en-US" dirty="0">
+                <a:solidFill>
+                  <a:srgbClr val="FF0000"/>
+                </a:solidFill>
+              </a:rPr>
+              <a:t>13!</a:t>
+            </a:r>
+          </a:p>
+          <a:p>
+            <a:pPr>
+              <a:spcBef>
+                <a:spcPts val="400"/>
+              </a:spcBef>
+            </a:pPr>
+            <a:r>
+              <a:rPr lang="en-US" dirty="0"/>
+              <a:t>Too many! Only 12 allowed per row</a:t>
+            </a:r>
+            <a:r>
+              <a:rPr lang="en-US" dirty="0">
+                <a:solidFill>
+                  <a:schemeClr val="bg1"/>
+                </a:solidFill>
+              </a:rPr>
+              <a:t>.</a:t>
+            </a:r>
+          </a:p>
+          <a:p>
+            <a:pPr>
+              <a:spcBef>
+                <a:spcPts val="400"/>
+              </a:spcBef>
+            </a:pPr>
+            <a:r>
+              <a:rPr lang="en-US" dirty="0"/>
+              <a:t>Put as many as you can on a row and move the rest to the next row</a:t>
+            </a:r>
+            <a:r>
+              <a:rPr lang="en-US" dirty="0">
+                <a:solidFill>
+                  <a:schemeClr val="bg1"/>
+                </a:solidFill>
+              </a:rPr>
+              <a:t> </a:t>
+            </a:r>
+          </a:p>
+        </p:txBody>
+      </p:sp>
+      <p:pic>
+        <p:nvPicPr>
+          <p:cNvPr id="5" name="Picture 4">
+            <a:extLst>
+              <a:ext uri="{FF2B5EF4-FFF2-40B4-BE49-F238E27FC236}">
+                <a16:creationId xmlns:a16="http://schemas.microsoft.com/office/drawing/2014/main" id="{B9129E14-4E2C-1143-A107-5682FE7F005C}"/>
+              </a:ext>
+            </a:extLst>
+          </p:cNvPr>
+          <p:cNvPicPr>
+            <a:picLocks noChangeAspect="1"/>
+          </p:cNvPicPr>
+          <p:nvPr/>
+        </p:nvPicPr>
+        <p:blipFill>
+          <a:blip r:embed="rId2"/>
+          <a:stretch>
+            <a:fillRect/>
+          </a:stretch>
+        </p:blipFill>
+        <p:spPr>
+          <a:xfrm>
+            <a:off x="1769423" y="1453929"/>
+            <a:ext cx="9061973" cy="680772"/>
+          </a:xfrm>
+          <a:prstGeom prst="rect">
+            <a:avLst/>
+          </a:prstGeom>
+        </p:spPr>
+      </p:pic>
+      <p:sp>
+        <p:nvSpPr>
+          <p:cNvPr id="8" name="Content Placeholder 2">
+            <a:extLst>
+              <a:ext uri="{FF2B5EF4-FFF2-40B4-BE49-F238E27FC236}">
+                <a16:creationId xmlns:a16="http://schemas.microsoft.com/office/drawing/2014/main" id="{478DE1CB-D5EB-4A4B-BD79-7A4850211E2E}"/>
+              </a:ext>
+            </a:extLst>
+          </p:cNvPr>
+          <p:cNvSpPr txBox="1">
+            <a:spLocks/>
+          </p:cNvSpPr>
+          <p:nvPr/>
+        </p:nvSpPr>
+        <p:spPr>
+          <a:xfrm>
+            <a:off x="0" y="5063685"/>
+            <a:ext cx="7796540" cy="1794315"/>
+          </a:xfrm>
+          <a:prstGeom prst="rect">
+            <a:avLst/>
+          </a:prstGeom>
+        </p:spPr>
+        <p:txBody>
+          <a:bodyPr vert="horz" lIns="91440" tIns="45720" rIns="91440" bIns="45720" rtlCol="0" anchor="ctr">
+            <a:normAutofit fontScale="85000" lnSpcReduction="10000"/>
+          </a:bodyPr>
+          <a:lstStyle>
+            <a:lvl1pPr marL="344488" indent="-344488" algn="l" defTabSz="914400" rtl="0" eaLnBrk="1" latinLnBrk="0" hangingPunct="1">
+              <a:lnSpc>
+                <a:spcPct val="120000"/>
+              </a:lnSpc>
+              <a:spcBef>
+                <a:spcPts val="1000"/>
+              </a:spcBef>
+              <a:spcAft>
+                <a:spcPts val="600"/>
+              </a:spcAft>
+              <a:buClr>
+                <a:schemeClr val="accent6"/>
+              </a:buClr>
+              <a:buSzPct val="90000"/>
+              <a:buFont typeface="Wingdings" panose="05000000000000000000" pitchFamily="2" charset="2"/>
+              <a:buChar char="§"/>
+              <a:defRPr sz="2000" kern="1200">
+                <a:solidFill>
+                  <a:schemeClr val="tx1"/>
+                </a:solidFill>
+                <a:effectLst/>
+                <a:latin typeface="+mn-lt"/>
+                <a:ea typeface="+mn-ea"/>
+                <a:cs typeface="+mn-cs"/>
+              </a:defRPr>
+            </a:lvl1pPr>
+            <a:lvl2pPr marL="795338" indent="-338138" algn="l" defTabSz="914400" rtl="0" eaLnBrk="1" latinLnBrk="0" hangingPunct="1">
+              <a:lnSpc>
+                <a:spcPct val="120000"/>
+              </a:lnSpc>
+              <a:spcBef>
+                <a:spcPts val="500"/>
+              </a:spcBef>
+              <a:spcAft>
+                <a:spcPts val="600"/>
+              </a:spcAft>
+              <a:buClr>
+                <a:schemeClr val="accent6"/>
+              </a:buClr>
+              <a:buSzPct val="90000"/>
+              <a:buFont typeface="Wingdings" panose="05000000000000000000" pitchFamily="2" charset="2"/>
+              <a:buChar char="§"/>
+              <a:defRPr sz="1800" kern="1200">
+                <a:solidFill>
+                  <a:schemeClr val="tx1"/>
+                </a:solidFill>
+                <a:effectLst/>
+                <a:latin typeface="+mn-lt"/>
+                <a:ea typeface="+mn-ea"/>
+                <a:cs typeface="+mn-cs"/>
+              </a:defRPr>
+            </a:lvl2pPr>
+            <a:lvl3pPr marL="1258888" indent="-344488" algn="l" defTabSz="914400" rtl="0" eaLnBrk="1" latinLnBrk="0" hangingPunct="1">
+              <a:lnSpc>
+                <a:spcPct val="120000"/>
+              </a:lnSpc>
+              <a:spcBef>
+                <a:spcPts val="500"/>
+              </a:spcBef>
+              <a:spcAft>
+                <a:spcPts val="600"/>
+              </a:spcAft>
+              <a:buClr>
+                <a:schemeClr val="accent6"/>
+              </a:buClr>
+              <a:buSzPct val="90000"/>
+              <a:buFont typeface="Wingdings" panose="05000000000000000000" pitchFamily="2" charset="2"/>
+              <a:buChar char="§"/>
+              <a:defRPr sz="1600" kern="1200">
+                <a:solidFill>
+                  <a:schemeClr val="tx1"/>
+                </a:solidFill>
+                <a:effectLst/>
+                <a:latin typeface="+mn-lt"/>
+                <a:ea typeface="+mn-ea"/>
+                <a:cs typeface="+mn-cs"/>
+              </a:defRPr>
+            </a:lvl3pPr>
+            <a:lvl4pPr marL="1709738" indent="-338138" algn="l" defTabSz="914400" rtl="0" eaLnBrk="1" latinLnBrk="0" hangingPunct="1">
+              <a:lnSpc>
+                <a:spcPct val="120000"/>
+              </a:lnSpc>
+              <a:spcBef>
+                <a:spcPts val="500"/>
+              </a:spcBef>
+              <a:spcAft>
+                <a:spcPts val="600"/>
+              </a:spcAft>
+              <a:buClr>
+                <a:schemeClr val="accent6"/>
+              </a:buClr>
+              <a:buSzPct val="90000"/>
+              <a:buFont typeface="Wingdings" panose="05000000000000000000" pitchFamily="2" charset="2"/>
+              <a:buChar char="§"/>
+              <a:defRPr sz="1400" kern="1200">
+                <a:solidFill>
+                  <a:schemeClr val="tx1"/>
+                </a:solidFill>
+                <a:effectLst/>
+                <a:latin typeface="+mn-lt"/>
+                <a:ea typeface="+mn-ea"/>
+                <a:cs typeface="+mn-cs"/>
+              </a:defRPr>
+            </a:lvl4pPr>
+            <a:lvl5pPr marL="2173288" indent="-338328" algn="l" defTabSz="914400" rtl="0" eaLnBrk="1" latinLnBrk="0" hangingPunct="1">
+              <a:lnSpc>
+                <a:spcPct val="120000"/>
+              </a:lnSpc>
+              <a:spcBef>
+                <a:spcPts val="500"/>
+              </a:spcBef>
+              <a:spcAft>
+                <a:spcPts val="600"/>
+              </a:spcAft>
+              <a:buClr>
+                <a:schemeClr val="accent6"/>
+              </a:buClr>
+              <a:buSzPct val="90000"/>
+              <a:buFont typeface="Wingdings" panose="05000000000000000000" pitchFamily="2" charset="2"/>
+              <a:buChar char="§"/>
+              <a:defRPr sz="1200" kern="1200">
+                <a:solidFill>
+                  <a:schemeClr val="tx1"/>
+                </a:solidFill>
+                <a:effectLst/>
+                <a:latin typeface="+mn-lt"/>
+                <a:ea typeface="+mn-ea"/>
+                <a:cs typeface="+mn-cs"/>
+              </a:defRPr>
+            </a:lvl5pPr>
+            <a:lvl6pPr marL="2642616" indent="-338328" algn="l" defTabSz="914400" rtl="0" eaLnBrk="1" latinLnBrk="0" hangingPunct="1">
+              <a:lnSpc>
+                <a:spcPct val="120000"/>
+              </a:lnSpc>
+              <a:spcBef>
+                <a:spcPts val="500"/>
+              </a:spcBef>
+              <a:spcAft>
+                <a:spcPts val="600"/>
+              </a:spcAft>
+              <a:buClr>
+                <a:schemeClr val="accent6"/>
+              </a:buClr>
+              <a:buSzPct val="90000"/>
+              <a:buFont typeface="Wingdings" panose="05000000000000000000" pitchFamily="2" charset="2"/>
+              <a:buChar char="§"/>
+              <a:defRPr sz="1200" kern="1200">
+                <a:solidFill>
+                  <a:schemeClr val="tx1"/>
+                </a:solidFill>
+                <a:effectLst/>
+                <a:latin typeface="+mn-lt"/>
+                <a:ea typeface="+mn-ea"/>
+                <a:cs typeface="+mn-cs"/>
+              </a:defRPr>
+            </a:lvl6pPr>
+            <a:lvl7pPr marL="3108960" indent="-338328" algn="l" defTabSz="914400" rtl="0" eaLnBrk="1" latinLnBrk="0" hangingPunct="1">
+              <a:lnSpc>
+                <a:spcPct val="120000"/>
+              </a:lnSpc>
+              <a:spcBef>
+                <a:spcPts val="500"/>
+              </a:spcBef>
+              <a:spcAft>
+                <a:spcPts val="600"/>
+              </a:spcAft>
+              <a:buClr>
+                <a:schemeClr val="accent6"/>
+              </a:buClr>
+              <a:buSzPct val="90000"/>
+              <a:buFont typeface="Wingdings" panose="05000000000000000000" pitchFamily="2" charset="2"/>
+              <a:buChar char="§"/>
+              <a:defRPr sz="1200" kern="1200">
+                <a:solidFill>
+                  <a:schemeClr val="tx1"/>
+                </a:solidFill>
+                <a:effectLst/>
+                <a:latin typeface="+mn-lt"/>
+                <a:ea typeface="+mn-ea"/>
+                <a:cs typeface="+mn-cs"/>
+              </a:defRPr>
+            </a:lvl7pPr>
+            <a:lvl8pPr marL="3575304" indent="-338328" algn="l" defTabSz="914400" rtl="0" eaLnBrk="1" latinLnBrk="0" hangingPunct="1">
+              <a:lnSpc>
+                <a:spcPct val="120000"/>
+              </a:lnSpc>
+              <a:spcBef>
+                <a:spcPts val="500"/>
+              </a:spcBef>
+              <a:spcAft>
+                <a:spcPts val="600"/>
+              </a:spcAft>
+              <a:buClr>
+                <a:schemeClr val="accent6"/>
+              </a:buClr>
+              <a:buSzPct val="90000"/>
+              <a:buFont typeface="Wingdings" panose="05000000000000000000" pitchFamily="2" charset="2"/>
+              <a:buChar char="§"/>
+              <a:defRPr sz="1200" kern="1200">
+                <a:solidFill>
+                  <a:schemeClr val="tx1"/>
+                </a:solidFill>
+                <a:effectLst/>
+                <a:latin typeface="+mn-lt"/>
+                <a:ea typeface="+mn-ea"/>
+                <a:cs typeface="+mn-cs"/>
+              </a:defRPr>
+            </a:lvl8pPr>
+            <a:lvl9pPr marL="4041648" indent="-338328" algn="l" defTabSz="914400" rtl="0" eaLnBrk="1" latinLnBrk="0" hangingPunct="1">
+              <a:lnSpc>
+                <a:spcPct val="120000"/>
+              </a:lnSpc>
+              <a:spcBef>
+                <a:spcPts val="500"/>
+              </a:spcBef>
+              <a:spcAft>
+                <a:spcPts val="600"/>
+              </a:spcAft>
+              <a:buClr>
+                <a:schemeClr val="accent6"/>
+              </a:buClr>
+              <a:buSzPct val="90000"/>
+              <a:buFont typeface="Wingdings" panose="05000000000000000000" pitchFamily="2" charset="2"/>
+              <a:buChar char="§"/>
+              <a:defRPr sz="1200" kern="1200">
+                <a:solidFill>
+                  <a:schemeClr val="tx1"/>
+                </a:solidFill>
+                <a:effectLst/>
+                <a:latin typeface="+mn-lt"/>
+                <a:ea typeface="+mn-ea"/>
+                <a:cs typeface="+mn-cs"/>
+              </a:defRPr>
+            </a:lvl9pPr>
+          </a:lstStyle>
+          <a:p>
+            <a:pPr marL="0" indent="0">
+              <a:buFont typeface="Wingdings" panose="05000000000000000000" pitchFamily="2" charset="2"/>
+              <a:buNone/>
+            </a:pPr>
+            <a:r>
+              <a:rPr lang="en-US" dirty="0"/>
+              <a:t>&lt;div class="</a:t>
+            </a:r>
+            <a:r>
+              <a:rPr lang="en-US" dirty="0">
+                <a:solidFill>
+                  <a:schemeClr val="tx2">
+                    <a:lumMod val="75000"/>
+                  </a:schemeClr>
+                </a:solidFill>
+              </a:rPr>
+              <a:t>col-md-3 </a:t>
+            </a:r>
+            <a:r>
+              <a:rPr lang="en-US" dirty="0"/>
+              <a:t>col-sm-6 col-xs-12 borders"&gt;Col 1&lt;/div&gt;</a:t>
+            </a:r>
+            <a:br>
+              <a:rPr lang="en-US" dirty="0"/>
+            </a:br>
+            <a:r>
+              <a:rPr lang="en-US" dirty="0"/>
+              <a:t>&lt;div class="</a:t>
+            </a:r>
+            <a:r>
+              <a:rPr lang="en-US" dirty="0">
+                <a:solidFill>
+                  <a:schemeClr val="tx2">
+                    <a:lumMod val="75000"/>
+                  </a:schemeClr>
+                </a:solidFill>
+              </a:rPr>
+              <a:t>col-md-3</a:t>
+            </a:r>
+            <a:r>
+              <a:rPr lang="en-US" dirty="0"/>
+              <a:t> col-sm-6 col-xs-12 borders"&gt;Col 2&lt;/div&gt;</a:t>
+            </a:r>
+            <a:br>
+              <a:rPr lang="en-US" dirty="0"/>
+            </a:br>
+            <a:r>
+              <a:rPr lang="en-US" dirty="0"/>
+              <a:t>&lt;div class="</a:t>
+            </a:r>
+            <a:r>
+              <a:rPr lang="en-US" dirty="0">
+                <a:solidFill>
+                  <a:schemeClr val="tx2">
+                    <a:lumMod val="75000"/>
+                  </a:schemeClr>
+                </a:solidFill>
+              </a:rPr>
+              <a:t>col-md-3 </a:t>
+            </a:r>
+            <a:r>
+              <a:rPr lang="en-US" dirty="0"/>
+              <a:t>col-sm-6 col-xs-12 borders"&gt;Col 3&lt;/div&gt;</a:t>
+            </a:r>
+            <a:br>
+              <a:rPr lang="en-US" dirty="0"/>
+            </a:br>
+            <a:r>
+              <a:rPr lang="en-US" dirty="0"/>
+              <a:t>&lt;div class="</a:t>
+            </a:r>
+            <a:r>
+              <a:rPr lang="en-US" dirty="0">
+                <a:solidFill>
+                  <a:schemeClr val="tx2">
+                    <a:lumMod val="75000"/>
+                  </a:schemeClr>
+                </a:solidFill>
+              </a:rPr>
+              <a:t>col-md-4 </a:t>
+            </a:r>
+            <a:r>
+              <a:rPr lang="en-US" dirty="0"/>
+              <a:t>col-sm-6 col-xs-12 borders"&gt;Col 4&lt;/div&gt;</a:t>
+            </a:r>
+            <a:br>
+              <a:rPr lang="en-US" dirty="0"/>
+            </a:br>
+            <a:r>
+              <a:rPr lang="en-US" dirty="0"/>
+              <a:t>&lt;div class="</a:t>
+            </a:r>
+            <a:r>
+              <a:rPr lang="en-US" dirty="0">
+                <a:solidFill>
+                  <a:schemeClr val="tx2">
+                    <a:lumMod val="75000"/>
+                  </a:schemeClr>
+                </a:solidFill>
+              </a:rPr>
+              <a:t>col-md-4 </a:t>
+            </a:r>
+            <a:r>
+              <a:rPr lang="en-US" dirty="0"/>
+              <a:t>col-sm-6 col-xs-12 borders"&gt;Col 5&lt;/div&gt;</a:t>
+            </a:r>
+            <a:br>
+              <a:rPr lang="en-US" dirty="0"/>
+            </a:br>
+            <a:r>
+              <a:rPr lang="en-US" dirty="0"/>
+              <a:t>&lt;div class="</a:t>
+            </a:r>
+            <a:r>
+              <a:rPr lang="en-US" dirty="0">
+                <a:solidFill>
+                  <a:schemeClr val="tx2">
+                    <a:lumMod val="75000"/>
+                  </a:schemeClr>
+                </a:solidFill>
+              </a:rPr>
+              <a:t>col-md-4 </a:t>
+            </a:r>
+            <a:r>
+              <a:rPr lang="en-US" dirty="0"/>
+              <a:t>col-sm-6 col-xs-12 borders"&gt;Col 6&lt;/div&gt;</a:t>
+            </a:r>
+          </a:p>
+        </p:txBody>
+      </p:sp>
+    </p:spTree>
+    <p:extLst>
+      <p:ext uri="{BB962C8B-B14F-4D97-AF65-F5344CB8AC3E}">
+        <p14:creationId xmlns:p14="http://schemas.microsoft.com/office/powerpoint/2010/main" val="1815205987"/>
+      </p:ext>
+    </p:extLst>
+  </p:cSld>
+  <p:clrMapOvr>
+    <a:masterClrMapping/>
+  </p:clrMapOvr>
+</p:sld>
+</file>
+
+<file path=ppt/slides/slide11.xml><?xml version="1.0" encoding="utf-8"?>
+<p:sld xmlns:a="http://schemas.openxmlformats.org/drawingml/2006/main" xmlns:r="http://schemas.openxmlformats.org/officeDocument/2006/relationships" xmlns:p="http://schemas.openxmlformats.org/presentationml/2006/main">
+  <p:cSld>
+    <p:spTree>
+      <p:nvGrpSpPr>
+        <p:cNvPr id="1" name=""/>
+        <p:cNvGrpSpPr/>
+        <p:nvPr/>
+      </p:nvGrpSpPr>
+      <p:grpSpPr>
+        <a:xfrm>
+          <a:off x="0" y="0"/>
+          <a:ext cx="0" cy="0"/>
+          <a:chOff x="0" y="0"/>
+          <a:chExt cx="0" cy="0"/>
+        </a:xfrm>
+      </p:grpSpPr>
+      <p:sp>
+        <p:nvSpPr>
+          <p:cNvPr id="2" name="Title 1">
+            <a:extLst>
+              <a:ext uri="{FF2B5EF4-FFF2-40B4-BE49-F238E27FC236}">
+                <a16:creationId xmlns:a16="http://schemas.microsoft.com/office/drawing/2014/main" id="{033320EB-6052-C143-ABE5-30A2987F43AD}"/>
+              </a:ext>
+            </a:extLst>
+          </p:cNvPr>
+          <p:cNvSpPr>
+            <a:spLocks noGrp="1"/>
+          </p:cNvSpPr>
+          <p:nvPr>
+            <p:ph type="title"/>
+          </p:nvPr>
+        </p:nvSpPr>
+        <p:spPr/>
+        <p:txBody>
+          <a:bodyPr/>
+          <a:lstStyle/>
+          <a:p>
+            <a:r>
+              <a:rPr lang="en-US" dirty="0"/>
               <a:t>Small Screen</a:t>
             </a:r>
           </a:p>
@@ -5155,7 +5772,7 @@
 </p:sld>
 </file>
 
-<file path=ppt/slides/slide11.xml><?xml version="1.0" encoding="utf-8"?>
+<file path=ppt/slides/slide12.xml><?xml version="1.0" encoding="utf-8"?>
 <p:sld xmlns:a="http://schemas.openxmlformats.org/drawingml/2006/main" xmlns:r="http://schemas.openxmlformats.org/officeDocument/2006/relationships" xmlns:p="http://schemas.openxmlformats.org/presentationml/2006/main">
   <p:cSld>
     <p:spTree>
@@ -5733,7 +6350,7 @@
 </p:sld>
 </file>
 
-<file path=ppt/slides/slide12.xml><?xml version="1.0" encoding="utf-8"?>
+<file path=ppt/slides/slide13.xml><?xml version="1.0" encoding="utf-8"?>
 <p:sld xmlns:a="http://schemas.openxmlformats.org/drawingml/2006/main" xmlns:r="http://schemas.openxmlformats.org/officeDocument/2006/relationships" xmlns:p="http://schemas.openxmlformats.org/presentationml/2006/main">
   <p:cSld>
     <p:spTree>
@@ -5832,7 +6449,7 @@
 </p:sld>
 </file>
 
-<file path=ppt/slides/slide13.xml><?xml version="1.0" encoding="utf-8"?>
+<file path=ppt/slides/slide14.xml><?xml version="1.0" encoding="utf-8"?>
 <p:sld xmlns:a="http://schemas.openxmlformats.org/drawingml/2006/main" xmlns:r="http://schemas.openxmlformats.org/officeDocument/2006/relationships" xmlns:p="http://schemas.openxmlformats.org/presentationml/2006/main">
   <p:cSld>
     <p:spTree>
@@ -6404,7 +7021,9 @@
         </p:nvSpPr>
         <p:spPr/>
         <p:txBody>
-          <a:bodyPr/>
+          <a:bodyPr>
+            <a:normAutofit/>
+          </a:bodyPr>
           <a:lstStyle/>
           <a:p>
             <a:r>
@@ -6420,48 +7039,140 @@
           </a:p>
           <a:p>
             <a:r>
-              <a:rPr lang="en-US" dirty="0"/>
+              <a:rPr lang="en-US" dirty="0">
+                <a:solidFill>
+                  <a:schemeClr val="accent2">
+                    <a:lumMod val="60000"/>
+                    <a:lumOff val="40000"/>
+                  </a:schemeClr>
+                </a:solidFill>
+              </a:rPr>
               <a:t>&lt;link </a:t>
             </a:r>
             <a:r>
+              <a:rPr lang="en-US" dirty="0" err="1">
+                <a:solidFill>
+                  <a:schemeClr val="accent2">
+                    <a:lumMod val="60000"/>
+                    <a:lumOff val="40000"/>
+                  </a:schemeClr>
+                </a:solidFill>
+              </a:rPr>
+              <a:t>rel</a:t>
+            </a:r>
+            <a:r>
+              <a:rPr lang="en-US" dirty="0">
+                <a:solidFill>
+                  <a:schemeClr val="accent2">
+                    <a:lumMod val="60000"/>
+                    <a:lumOff val="40000"/>
+                  </a:schemeClr>
+                </a:solidFill>
+              </a:rPr>
+              <a:t>="stylesheet" </a:t>
+            </a:r>
+            <a:r>
+              <a:rPr lang="en-US" dirty="0" err="1">
+                <a:solidFill>
+                  <a:schemeClr val="accent2">
+                    <a:lumMod val="60000"/>
+                    <a:lumOff val="40000"/>
+                  </a:schemeClr>
+                </a:solidFill>
+              </a:rPr>
+              <a:t>href</a:t>
+            </a:r>
+            <a:r>
+              <a:rPr lang="en-US" dirty="0">
+                <a:solidFill>
+                  <a:schemeClr val="accent2">
+                    <a:lumMod val="60000"/>
+                    <a:lumOff val="40000"/>
+                  </a:schemeClr>
+                </a:solidFill>
+              </a:rPr>
+              <a:t>="https://</a:t>
+            </a:r>
+            <a:r>
+              <a:rPr lang="en-US" dirty="0" err="1">
+                <a:solidFill>
+                  <a:schemeClr val="accent2">
+                    <a:lumMod val="60000"/>
+                    <a:lumOff val="40000"/>
+                  </a:schemeClr>
+                </a:solidFill>
+              </a:rPr>
+              <a:t>maxcdn.bootstrapcdn.com</a:t>
+            </a:r>
+            <a:r>
+              <a:rPr lang="en-US" dirty="0">
+                <a:solidFill>
+                  <a:schemeClr val="accent2">
+                    <a:lumMod val="60000"/>
+                    <a:lumOff val="40000"/>
+                  </a:schemeClr>
+                </a:solidFill>
+              </a:rPr>
+              <a:t>/bootstrap/4.4/</a:t>
+            </a:r>
+            <a:r>
+              <a:rPr lang="en-US" dirty="0" err="1">
+                <a:solidFill>
+                  <a:schemeClr val="accent2">
+                    <a:lumMod val="60000"/>
+                    <a:lumOff val="40000"/>
+                  </a:schemeClr>
+                </a:solidFill>
+              </a:rPr>
+              <a:t>css</a:t>
+            </a:r>
+            <a:r>
+              <a:rPr lang="en-US" dirty="0">
+                <a:solidFill>
+                  <a:schemeClr val="accent2">
+                    <a:lumMod val="60000"/>
+                    <a:lumOff val="40000"/>
+                  </a:schemeClr>
+                </a:solidFill>
+              </a:rPr>
+              <a:t>/</a:t>
+            </a:r>
+            <a:r>
+              <a:rPr lang="en-US" dirty="0" err="1">
+                <a:solidFill>
+                  <a:schemeClr val="accent2">
+                    <a:lumMod val="60000"/>
+                    <a:lumOff val="40000"/>
+                  </a:schemeClr>
+                </a:solidFill>
+              </a:rPr>
+              <a:t>bootstrap.min.css</a:t>
+            </a:r>
+            <a:r>
+              <a:rPr lang="en-US" dirty="0">
+                <a:solidFill>
+                  <a:schemeClr val="accent2">
+                    <a:lumMod val="60000"/>
+                    <a:lumOff val="40000"/>
+                  </a:schemeClr>
+                </a:solidFill>
+              </a:rPr>
+              <a:t>"&gt;</a:t>
+            </a:r>
+            <a:endParaRPr lang="en-US" dirty="0"/>
+          </a:p>
+          <a:p>
+            <a:r>
+              <a:rPr lang="en-US" dirty="0"/>
+              <a:t>You can get the </a:t>
+            </a:r>
+            <a:r>
               <a:rPr lang="en-US" dirty="0" err="1"/>
-              <a:t>rel</a:t>
-            </a:r>
-            <a:r>
-              <a:rPr lang="en-US" dirty="0"/>
-              <a:t>="stylesheet" </a:t>
-            </a:r>
-            <a:r>
-              <a:rPr lang="en-US" dirty="0" err="1"/>
-              <a:t>href</a:t>
-            </a:r>
-            <a:r>
-              <a:rPr lang="en-US" dirty="0"/>
-              <a:t>="https://</a:t>
-            </a:r>
-            <a:r>
-              <a:rPr lang="en-US" dirty="0" err="1"/>
-              <a:t>maxcdn.bootstrapcdn.com</a:t>
-            </a:r>
-            <a:r>
-              <a:rPr lang="en-US" dirty="0"/>
-              <a:t>/bootstrap/4.4/</a:t>
-            </a:r>
-            <a:r>
-              <a:rPr lang="en-US" dirty="0" err="1"/>
-              <a:t>css</a:t>
-            </a:r>
-            <a:r>
-              <a:rPr lang="en-US" dirty="0"/>
-              <a:t>/</a:t>
-            </a:r>
-            <a:r>
-              <a:rPr lang="en-US" dirty="0" err="1"/>
-              <a:t>bootstrap.min.css</a:t>
-            </a:r>
-            <a:r>
-              <a:rPr lang="en-US" dirty="0"/>
-              <a:t>"&gt;</a:t>
+              <a:t>bootstrap.css</a:t>
+            </a:r>
+            <a:r>
+              <a:rPr lang="en-US" dirty="0"/>
+              <a:t> file from the source, copy it to your local server or find it on a third-party server</a:t>
             </a:r>
             <a:br>
               <a:rPr lang="en-US" dirty="0"/>
@@ -6563,7 +7274,19 @@
           <a:p>
             <a:r>
               <a:rPr lang="en-US" dirty="0"/>
-              <a:t>Primarily by adding a class to an element</a:t>
+              <a:t>Primarily by adding a </a:t>
+            </a:r>
+            <a:r>
+              <a:rPr lang="en-US" dirty="0">
+                <a:solidFill>
+                  <a:srgbClr val="FF0000"/>
+                </a:solidFill>
+              </a:rPr>
+              <a:t>class</a:t>
+            </a:r>
+            <a:r>
+              <a:rPr lang="en-US" dirty="0"/>
+              <a:t> to an element</a:t>
             </a:r>
           </a:p>
         </p:txBody>
@@ -7280,6 +8003,99 @@
           <p:cNvPr id="2" name="Title 1">
             <a:extLst>
               <a:ext uri="{FF2B5EF4-FFF2-40B4-BE49-F238E27FC236}">
+                <a16:creationId xmlns:a16="http://schemas.microsoft.com/office/drawing/2014/main" id="{EE46AB91-20ED-BFB9-FEFE-889F6E814953}"/>
+              </a:ext>
+            </a:extLst>
+          </p:cNvPr>
+          <p:cNvSpPr>
+            <a:spLocks noGrp="1"/>
+          </p:cNvSpPr>
+          <p:nvPr>
+            <p:ph type="title"/>
+          </p:nvPr>
+        </p:nvSpPr>
+        <p:spPr/>
+        <p:txBody>
+          <a:bodyPr/>
+          <a:lstStyle/>
+          <a:p>
+            <a:r>
+              <a:rPr lang="en-US" dirty="0"/>
+              <a:t>Bootstrap Grid System</a:t>
+            </a:r>
+          </a:p>
+        </p:txBody>
+      </p:sp>
+      <p:pic>
+        <p:nvPicPr>
+          <p:cNvPr id="5" name="Content Placeholder 4">
+            <a:extLst>
+              <a:ext uri="{FF2B5EF4-FFF2-40B4-BE49-F238E27FC236}">
+                <a16:creationId xmlns:a16="http://schemas.microsoft.com/office/drawing/2014/main" id="{68B41182-9AA2-C198-E979-5FF860E7E23A}"/>
+              </a:ext>
+            </a:extLst>
+          </p:cNvPr>
+          <p:cNvPicPr>
+            <a:picLocks noGrp="1" noChangeAspect="1"/>
+          </p:cNvPicPr>
+          <p:nvPr>
+            <p:ph idx="1"/>
+          </p:nvPr>
+        </p:nvPicPr>
+        <p:blipFill>
+          <a:blip r:embed="rId2">
+            <a:extLst>
+              <a:ext uri="{96DAC541-7B7A-43D3-8B79-37D633B846F1}">
+                <asvg:svgBlip xmlns:asvg="http://schemas.microsoft.com/office/drawing/2016/SVG/main" r:embed="rId3"/>
+              </a:ext>
+            </a:extLst>
+          </a:blip>
+          <a:stretch>
+            <a:fillRect/>
+          </a:stretch>
+        </p:blipFill>
+        <p:spPr>
+          <a:xfrm>
+            <a:off x="4091635" y="2052638"/>
+            <a:ext cx="5159667" cy="3997325"/>
+          </a:xfrm>
+        </p:spPr>
+      </p:pic>
+    </p:spTree>
+    <p:extLst>
+      <p:ext uri="{BB962C8B-B14F-4D97-AF65-F5344CB8AC3E}">
+        <p14:creationId xmlns:p14="http://schemas.microsoft.com/office/powerpoint/2010/main" val="1971797282"/>
+      </p:ext>
+    </p:extLst>
+  </p:cSld>
+  <p:clrMapOvr>
+    <a:masterClrMapping/>
+  </p:clrMapOvr>
+</p:sld>
+</file>
+
+<file path=ppt/slides/slide8.xml><?xml version="1.0" encoding="utf-8"?>
+<p:sld xmlns:a="http://schemas.openxmlformats.org/drawingml/2006/main" xmlns:r="http://schemas.openxmlformats.org/officeDocument/2006/relationships" xmlns:p="http://schemas.openxmlformats.org/presentationml/2006/main">
+  <p:cSld>
+    <p:spTree>
+      <p:nvGrpSpPr>
+        <p:cNvPr id="1" name=""/>
+        <p:cNvGrpSpPr/>
+        <p:nvPr/>
+      </p:nvGrpSpPr>
+      <p:grpSpPr>
+        <a:xfrm>
+          <a:off x="0" y="0"/>
+          <a:ext cx="0" cy="0"/>
+          <a:chOff x="0" y="0"/>
+          <a:chExt cx="0" cy="0"/>
+        </a:xfrm>
+      </p:grpSpPr>
+      <p:sp>
+        <p:nvSpPr>
+          <p:cNvPr id="2" name="Title 1">
+            <a:extLst>
+              <a:ext uri="{FF2B5EF4-FFF2-40B4-BE49-F238E27FC236}">
                 <a16:creationId xmlns:a16="http://schemas.microsoft.com/office/drawing/2014/main" id="{33C787EE-F34D-B749-BC2D-B84748D50593}"/>
               </a:ext>
             </a:extLst>
@@ -7753,7 +8569,7 @@
 </p:sld>
 </file>
 
-<file path=ppt/slides/slide8.xml><?xml version="1.0" encoding="utf-8"?>
+<file path=ppt/slides/slide9.xml><?xml version="1.0" encoding="utf-8"?>
 <p:sld xmlns:a="http://schemas.openxmlformats.org/drawingml/2006/main" xmlns:r="http://schemas.openxmlformats.org/officeDocument/2006/relationships" xmlns:p="http://schemas.openxmlformats.org/presentationml/2006/main">
   <p:cSld>
     <p:spTree>
@@ -8037,622 +8853,6 @@
     <p:extLst>
       <p:ext uri="{BB962C8B-B14F-4D97-AF65-F5344CB8AC3E}">
         <p14:creationId xmlns:p14="http://schemas.microsoft.com/office/powerpoint/2010/main" val="2131042193"/>
-      </p:ext>
-    </p:extLst>
-  </p:cSld>
-  <p:clrMapOvr>
-    <a:masterClrMapping/>
-  </p:clrMapOvr>
-</p:sld>
-</file>
-
-<file path=ppt/slides/slide9.xml><?xml version="1.0" encoding="utf-8"?>
-<p:sld xmlns:a="http://schemas.openxmlformats.org/drawingml/2006/main" xmlns:r="http://schemas.openxmlformats.org/officeDocument/2006/relationships" xmlns:p="http://schemas.openxmlformats.org/presentationml/2006/main">
-  <p:cSld>
-    <p:spTree>
-      <p:nvGrpSpPr>
-        <p:cNvPr id="1" name=""/>
-        <p:cNvGrpSpPr/>
-        <p:nvPr/>
-      </p:nvGrpSpPr>
-      <p:grpSpPr>
-        <a:xfrm>
-          <a:off x="0" y="0"/>
-          <a:ext cx="0" cy="0"/>
-          <a:chOff x="0" y="0"/>
-          <a:chExt cx="0" cy="0"/>
-        </a:xfrm>
-      </p:grpSpPr>
-      <p:sp>
-        <p:nvSpPr>
-          <p:cNvPr id="2" name="Title 1">
-            <a:extLst>
-              <a:ext uri="{FF2B5EF4-FFF2-40B4-BE49-F238E27FC236}">
-                <a16:creationId xmlns:a16="http://schemas.microsoft.com/office/drawing/2014/main" id="{033320EB-6052-C143-ABE5-30A2987F43AD}"/>
-              </a:ext>
-            </a:extLst>
-          </p:cNvPr>
-          <p:cNvSpPr>
-            <a:spLocks noGrp="1"/>
-          </p:cNvSpPr>
-          <p:nvPr>
-            <p:ph type="title"/>
-          </p:nvPr>
-        </p:nvSpPr>
-        <p:spPr/>
-        <p:txBody>
-          <a:bodyPr/>
-          <a:lstStyle/>
-          <a:p>
-            <a:r>
-              <a:rPr lang="en-US" dirty="0"/>
-              <a:t>Medium Screen</a:t>
-            </a:r>
-          </a:p>
-        </p:txBody>
-      </p:sp>
-      <p:sp>
-        <p:nvSpPr>
-          <p:cNvPr id="3" name="Content Placeholder 2">
-            <a:extLst>
-              <a:ext uri="{FF2B5EF4-FFF2-40B4-BE49-F238E27FC236}">
-                <a16:creationId xmlns:a16="http://schemas.microsoft.com/office/drawing/2014/main" id="{0857B819-6463-7544-86B3-ED310B15A1EE}"/>
-              </a:ext>
-            </a:extLst>
-          </p:cNvPr>
-          <p:cNvSpPr>
-            <a:spLocks noGrp="1"/>
-          </p:cNvSpPr>
-          <p:nvPr>
-            <p:ph idx="1"/>
-          </p:nvPr>
-        </p:nvSpPr>
-        <p:spPr>
-          <a:xfrm>
-            <a:off x="2741930" y="2268187"/>
-            <a:ext cx="8385249" cy="2546082"/>
-          </a:xfrm>
-        </p:spPr>
-        <p:txBody>
-          <a:bodyPr>
-            <a:normAutofit/>
-          </a:bodyPr>
-          <a:lstStyle/>
-          <a:p>
-            <a:pPr>
-              <a:spcBef>
-                <a:spcPts val="400"/>
-              </a:spcBef>
-            </a:pPr>
-            <a:r>
-              <a:rPr lang="en-US" dirty="0"/>
-              <a:t>&lt;DIV&gt;s 1,2,3 are defined </a:t>
-            </a:r>
-            <a:r>
-              <a:rPr lang="en-US" dirty="0">
-                <a:solidFill>
-                  <a:schemeClr val="tx2">
-                    <a:lumMod val="75000"/>
-                  </a:schemeClr>
-                </a:solidFill>
-              </a:rPr>
-              <a:t>col-md-3</a:t>
-            </a:r>
-          </a:p>
-          <a:p>
-            <a:pPr>
-              <a:spcBef>
-                <a:spcPts val="400"/>
-              </a:spcBef>
-            </a:pPr>
-            <a:r>
-              <a:rPr lang="en-US" dirty="0"/>
-              <a:t>&lt;DIV&gt;s 4,5,6 are defined </a:t>
-            </a:r>
-            <a:r>
-              <a:rPr lang="en-US" dirty="0">
-                <a:solidFill>
-                  <a:schemeClr val="tx2">
-                    <a:lumMod val="75000"/>
-                  </a:schemeClr>
-                </a:solidFill>
-              </a:rPr>
-              <a:t>col-md-4</a:t>
-            </a:r>
-          </a:p>
-          <a:p>
-            <a:pPr>
-              <a:spcBef>
-                <a:spcPts val="400"/>
-              </a:spcBef>
-            </a:pPr>
-            <a:r>
-              <a:rPr lang="en-US" dirty="0">
-                <a:solidFill>
-                  <a:schemeClr val="tx2">
-                    <a:lumMod val="75000"/>
-                  </a:schemeClr>
-                </a:solidFill>
-              </a:rPr>
-              <a:t>3 + 3 + 3 + 5 = </a:t>
-            </a:r>
-            <a:r>
-              <a:rPr lang="en-US" dirty="0">
-                <a:solidFill>
-                  <a:srgbClr val="FF0000"/>
-                </a:solidFill>
-              </a:rPr>
-              <a:t>13!</a:t>
-            </a:r>
-          </a:p>
-          <a:p>
-            <a:pPr>
-              <a:spcBef>
-                <a:spcPts val="400"/>
-              </a:spcBef>
-            </a:pPr>
-            <a:r>
-              <a:rPr lang="en-US" dirty="0"/>
-              <a:t>Too many! Only 12 allowed per row</a:t>
-            </a:r>
-            <a:r>
-              <a:rPr lang="en-US" dirty="0">
-                <a:solidFill>
-                  <a:schemeClr val="bg1"/>
-                </a:solidFill>
-              </a:rPr>
-              <a:t>.</a:t>
-            </a:r>
-          </a:p>
-          <a:p>
-            <a:pPr>
-              <a:spcBef>
-                <a:spcPts val="400"/>
-              </a:spcBef>
-            </a:pPr>
-            <a:r>
-              <a:rPr lang="en-US" dirty="0"/>
-              <a:t>Put as many as you can on a row and move the rest to the next row</a:t>
-            </a:r>
-            <a:r>
-              <a:rPr lang="en-US" dirty="0">
-                <a:solidFill>
-                  <a:schemeClr val="bg1"/>
-                </a:solidFill>
-              </a:rPr>
-              <a:t> </a:t>
-            </a:r>
-          </a:p>
-        </p:txBody>
-      </p:sp>
-      <p:pic>
-        <p:nvPicPr>
-          <p:cNvPr id="5" name="Picture 4">
-            <a:extLst>
-              <a:ext uri="{FF2B5EF4-FFF2-40B4-BE49-F238E27FC236}">
-                <a16:creationId xmlns:a16="http://schemas.microsoft.com/office/drawing/2014/main" id="{B9129E14-4E2C-1143-A107-5682FE7F005C}"/>
-              </a:ext>
-            </a:extLst>
-          </p:cNvPr>
-          <p:cNvPicPr>
-            <a:picLocks noChangeAspect="1"/>
-          </p:cNvPicPr>
-          <p:nvPr/>
-        </p:nvPicPr>
-        <p:blipFill>
-          <a:blip r:embed="rId2"/>
-          <a:stretch>
-            <a:fillRect/>
-          </a:stretch>
-        </p:blipFill>
-        <p:spPr>
-          <a:xfrm>
-            <a:off x="1769423" y="1453929"/>
-            <a:ext cx="9061973" cy="680772"/>
-          </a:xfrm>
-          <a:prstGeom prst="rect">
-            <a:avLst/>
-          </a:prstGeom>
-        </p:spPr>
-      </p:pic>
-      <p:sp>
-        <p:nvSpPr>
-          <p:cNvPr id="8" name="Content Placeholder 2">
-            <a:extLst>
-              <a:ext uri="{FF2B5EF4-FFF2-40B4-BE49-F238E27FC236}">
-                <a16:creationId xmlns:a16="http://schemas.microsoft.com/office/drawing/2014/main" id="{478DE1CB-D5EB-4A4B-BD79-7A4850211E2E}"/>
-              </a:ext>
-            </a:extLst>
-          </p:cNvPr>
-          <p:cNvSpPr txBox="1">
-            <a:spLocks/>
-          </p:cNvSpPr>
-          <p:nvPr/>
-        </p:nvSpPr>
-        <p:spPr>
-          <a:xfrm>
-            <a:off x="0" y="5063685"/>
-            <a:ext cx="7796540" cy="1794315"/>
-          </a:xfrm>
-          <a:prstGeom prst="rect">
-            <a:avLst/>
-          </a:prstGeom>
-        </p:spPr>
-        <p:txBody>
-          <a:bodyPr vert="horz" lIns="91440" tIns="45720" rIns="91440" bIns="45720" rtlCol="0" anchor="ctr">
-            <a:normAutofit fontScale="85000" lnSpcReduction="10000"/>
-          </a:bodyPr>
-          <a:lstStyle>
-            <a:lvl1pPr marL="344488" indent="-344488" algn="l" defTabSz="914400" rtl="0" eaLnBrk="1" latinLnBrk="0" hangingPunct="1">
-              <a:lnSpc>
-                <a:spcPct val="120000"/>
-              </a:lnSpc>
-              <a:spcBef>
-                <a:spcPts val="1000"/>
-              </a:spcBef>
-              <a:spcAft>
-                <a:spcPts val="600"/>
-              </a:spcAft>
-              <a:buClr>
-                <a:schemeClr val="accent6"/>
-              </a:buClr>
-              <a:buSzPct val="90000"/>
-              <a:buFont typeface="Wingdings" panose="05000000000000000000" pitchFamily="2" charset="2"/>
-              <a:buChar char="§"/>
-              <a:defRPr sz="2000" kern="1200">
-                <a:solidFill>
-                  <a:schemeClr val="tx1"/>
-                </a:solidFill>
-                <a:effectLst/>
-                <a:latin typeface="+mn-lt"/>
-                <a:ea typeface="+mn-ea"/>
-                <a:cs typeface="+mn-cs"/>
-              </a:defRPr>
-            </a:lvl1pPr>
-            <a:lvl2pPr marL="795338" indent="-338138" algn="l" defTabSz="914400" rtl="0" eaLnBrk="1" latinLnBrk="0" hangingPunct="1">
-              <a:lnSpc>
-                <a:spcPct val="120000"/>
-              </a:lnSpc>
-              <a:spcBef>
-                <a:spcPts val="500"/>
-              </a:spcBef>
-              <a:spcAft>
-                <a:spcPts val="600"/>
-              </a:spcAft>
-              <a:buClr>
-                <a:schemeClr val="accent6"/>
-              </a:buClr>
-              <a:buSzPct val="90000"/>
-              <a:buFont typeface="Wingdings" panose="05000000000000000000" pitchFamily="2" charset="2"/>
-              <a:buChar char="§"/>
-              <a:defRPr sz="1800" kern="1200">
-                <a:solidFill>
-                  <a:schemeClr val="tx1"/>
-                </a:solidFill>
-                <a:effectLst/>
-                <a:latin typeface="+mn-lt"/>
-                <a:ea typeface="+mn-ea"/>
-                <a:cs typeface="+mn-cs"/>
-              </a:defRPr>
-            </a:lvl2pPr>
-            <a:lvl3pPr marL="1258888" indent="-344488" algn="l" defTabSz="914400" rtl="0" eaLnBrk="1" latinLnBrk="0" hangingPunct="1">
-              <a:lnSpc>
-                <a:spcPct val="120000"/>
-              </a:lnSpc>
-              <a:spcBef>
-                <a:spcPts val="500"/>
-              </a:spcBef>
-              <a:spcAft>
-                <a:spcPts val="600"/>
-              </a:spcAft>
-              <a:buClr>
-                <a:schemeClr val="accent6"/>
-              </a:buClr>
-              <a:buSzPct val="90000"/>
-              <a:buFont typeface="Wingdings" panose="05000000000000000000" pitchFamily="2" charset="2"/>
-              <a:buChar char="§"/>
-              <a:defRPr sz="1600" kern="1200">
-                <a:solidFill>
-                  <a:schemeClr val="tx1"/>
-                </a:solidFill>
-                <a:effectLst/>
-                <a:latin typeface="+mn-lt"/>
-                <a:ea typeface="+mn-ea"/>
-                <a:cs typeface="+mn-cs"/>
-              </a:defRPr>
-            </a:lvl3pPr>
-            <a:lvl4pPr marL="1709738" indent="-338138" algn="l" defTabSz="914400" rtl="0" eaLnBrk="1" latinLnBrk="0" hangingPunct="1">
-              <a:lnSpc>
-                <a:spcPct val="120000"/>
-              </a:lnSpc>
-              <a:spcBef>
-                <a:spcPts val="500"/>
-              </a:spcBef>
-              <a:spcAft>
-                <a:spcPts val="600"/>
-              </a:spcAft>
-              <a:buClr>
-                <a:schemeClr val="accent6"/>
-              </a:buClr>
-              <a:buSzPct val="90000"/>
-              <a:buFont typeface="Wingdings" panose="05000000000000000000" pitchFamily="2" charset="2"/>
-              <a:buChar char="§"/>
-              <a:defRPr sz="1400" kern="1200">
-                <a:solidFill>
-                  <a:schemeClr val="tx1"/>
-                </a:solidFill>
-                <a:effectLst/>
-                <a:latin typeface="+mn-lt"/>
-                <a:ea typeface="+mn-ea"/>
-                <a:cs typeface="+mn-cs"/>
-              </a:defRPr>
-            </a:lvl4pPr>
-            <a:lvl5pPr marL="2173288" indent="-338328" algn="l" defTabSz="914400" rtl="0" eaLnBrk="1" latinLnBrk="0" hangingPunct="1">
-              <a:lnSpc>
-                <a:spcPct val="120000"/>
-              </a:lnSpc>
-              <a:spcBef>
-                <a:spcPts val="500"/>
-              </a:spcBef>
-              <a:spcAft>
-                <a:spcPts val="600"/>
-              </a:spcAft>
-              <a:buClr>
-                <a:schemeClr val="accent6"/>
-              </a:buClr>
-              <a:buSzPct val="90000"/>
-              <a:buFont typeface="Wingdings" panose="05000000000000000000" pitchFamily="2" charset="2"/>
-              <a:buChar char="§"/>
-              <a:defRPr sz="1200" kern="1200">
-                <a:solidFill>
-                  <a:schemeClr val="tx1"/>
-                </a:solidFill>
-                <a:effectLst/>
-                <a:latin typeface="+mn-lt"/>
-                <a:ea typeface="+mn-ea"/>
-                <a:cs typeface="+mn-cs"/>
-              </a:defRPr>
-            </a:lvl5pPr>
-            <a:lvl6pPr marL="2642616" indent="-338328" algn="l" defTabSz="914400" rtl="0" eaLnBrk="1" latinLnBrk="0" hangingPunct="1">
-              <a:lnSpc>
-                <a:spcPct val="120000"/>
-              </a:lnSpc>
-              <a:spcBef>
-                <a:spcPts val="500"/>
-              </a:spcBef>
-              <a:spcAft>
-                <a:spcPts val="600"/>
-              </a:spcAft>
-              <a:buClr>
-                <a:schemeClr val="accent6"/>
-              </a:buClr>
-              <a:buSzPct val="90000"/>
-              <a:buFont typeface="Wingdings" panose="05000000000000000000" pitchFamily="2" charset="2"/>
-              <a:buChar char="§"/>
-              <a:defRPr sz="1200" kern="1200">
-                <a:solidFill>
-                  <a:schemeClr val="tx1"/>
-                </a:solidFill>
-                <a:effectLst/>
-                <a:latin typeface="+mn-lt"/>
-                <a:ea typeface="+mn-ea"/>
-                <a:cs typeface="+mn-cs"/>
-              </a:defRPr>
-            </a:lvl6pPr>
-            <a:lvl7pPr marL="3108960" indent="-338328" algn="l" defTabSz="914400" rtl="0" eaLnBrk="1" latinLnBrk="0" hangingPunct="1">
-              <a:lnSpc>
-                <a:spcPct val="120000"/>
-              </a:lnSpc>
-              <a:spcBef>
-                <a:spcPts val="500"/>
-              </a:spcBef>
-              <a:spcAft>
-                <a:spcPts val="600"/>
-              </a:spcAft>
-              <a:buClr>
-                <a:schemeClr val="accent6"/>
-              </a:buClr>
-              <a:buSzPct val="90000"/>
-              <a:buFont typeface="Wingdings" panose="05000000000000000000" pitchFamily="2" charset="2"/>
-              <a:buChar char="§"/>
-              <a:defRPr sz="1200" kern="1200">
-                <a:solidFill>
-                  <a:schemeClr val="tx1"/>
-                </a:solidFill>
-                <a:effectLst/>
-                <a:latin typeface="+mn-lt"/>
-                <a:ea typeface="+mn-ea"/>
-                <a:cs typeface="+mn-cs"/>
-              </a:defRPr>
-            </a:lvl7pPr>
-            <a:lvl8pPr marL="3575304" indent="-338328" algn="l" defTabSz="914400" rtl="0" eaLnBrk="1" latinLnBrk="0" hangingPunct="1">
-              <a:lnSpc>
-                <a:spcPct val="120000"/>
-              </a:lnSpc>
-              <a:spcBef>
-                <a:spcPts val="500"/>
-              </a:spcBef>
-              <a:spcAft>
-                <a:spcPts val="600"/>
-              </a:spcAft>
-              <a:buClr>
-                <a:schemeClr val="accent6"/>
-              </a:buClr>
-              <a:buSzPct val="90000"/>
-              <a:buFont typeface="Wingdings" panose="05000000000000000000" pitchFamily="2" charset="2"/>
-              <a:buChar char="§"/>
-              <a:defRPr sz="1200" kern="1200">
-                <a:solidFill>
-                  <a:schemeClr val="tx1"/>
-                </a:solidFill>
-                <a:effectLst/>
-                <a:latin typeface="+mn-lt"/>
-                <a:ea typeface="+mn-ea"/>
-                <a:cs typeface="+mn-cs"/>
-              </a:defRPr>
-            </a:lvl8pPr>
-            <a:lvl9pPr marL="4041648" indent="-338328" algn="l" defTabSz="914400" rtl="0" eaLnBrk="1" latinLnBrk="0" hangingPunct="1">
-              <a:lnSpc>
-                <a:spcPct val="120000"/>
-              </a:lnSpc>
-              <a:spcBef>
-                <a:spcPts val="500"/>
-              </a:spcBef>
-              <a:spcAft>
-                <a:spcPts val="600"/>
-              </a:spcAft>
-              <a:buClr>
-                <a:schemeClr val="accent6"/>
-              </a:buClr>
-              <a:buSzPct val="90000"/>
-              <a:buFont typeface="Wingdings" panose="05000000000000000000" pitchFamily="2" charset="2"/>
-              <a:buChar char="§"/>
-              <a:defRPr sz="1200" kern="1200">
-                <a:solidFill>
-                  <a:schemeClr val="tx1"/>
-                </a:solidFill>
-                <a:effectLst/>
-                <a:latin typeface="+mn-lt"/>
-                <a:ea typeface="+mn-ea"/>
-                <a:cs typeface="+mn-cs"/>
-              </a:defRPr>
-            </a:lvl9pPr>
-          </a:lstStyle>
-          <a:p>
-            <a:pPr marL="0" indent="0">
-              <a:buFont typeface="Wingdings" panose="05000000000000000000" pitchFamily="2" charset="2"/>
-              <a:buNone/>
-            </a:pPr>
-            <a:r>
-              <a:rPr lang="en-US" dirty="0"/>
-              <a:t>&lt;div class="</a:t>
-            </a:r>
-            <a:r>
-              <a:rPr lang="en-US" dirty="0">
-                <a:solidFill>
-                  <a:schemeClr val="tx2">
-                    <a:lumMod val="75000"/>
-                  </a:schemeClr>
-                </a:solidFill>
-              </a:rPr>
-              <a:t>col-md-3 </a:t>
-            </a:r>
-            <a:r>
-              <a:rPr lang="en-US" dirty="0"/>
-              <a:t>col-sm-6 col-xs-12 borders"&gt;Col 1&lt;/div&gt;</a:t>
-            </a:r>
-            <a:br>
-              <a:rPr lang="en-US" dirty="0"/>
-            </a:br>
-            <a:r>
-              <a:rPr lang="en-US" dirty="0"/>
-              <a:t>&lt;div class="</a:t>
-            </a:r>
-            <a:r>
-              <a:rPr lang="en-US" dirty="0">
-                <a:solidFill>
-                  <a:schemeClr val="tx2">
-                    <a:lumMod val="75000"/>
-                  </a:schemeClr>
-                </a:solidFill>
-              </a:rPr>
-              <a:t>col-md-3</a:t>
-            </a:r>
-            <a:r>
-              <a:rPr lang="en-US" dirty="0"/>
-              <a:t> col-sm-6 col-xs-12 borders"&gt;Col 2&lt;/div&gt;</a:t>
-            </a:r>
-            <a:br>
-              <a:rPr lang="en-US" dirty="0"/>
-            </a:br>
-            <a:r>
-              <a:rPr lang="en-US" dirty="0"/>
-              <a:t>&lt;div class="</a:t>
-            </a:r>
-            <a:r>
-              <a:rPr lang="en-US" dirty="0">
-                <a:solidFill>
-                  <a:schemeClr val="tx2">
-                    <a:lumMod val="75000"/>
-                  </a:schemeClr>
-                </a:solidFill>
-              </a:rPr>
-              <a:t>col-md-3 </a:t>
-            </a:r>
-            <a:r>
-              <a:rPr lang="en-US" dirty="0"/>
-              <a:t>col-sm-6 col-xs-12 borders"&gt;Col 3&lt;/div&gt;</a:t>
-            </a:r>
-            <a:br>
-              <a:rPr lang="en-US" dirty="0"/>
-            </a:br>
-            <a:r>
-              <a:rPr lang="en-US" dirty="0"/>
-              <a:t>&lt;div class="</a:t>
-            </a:r>
-            <a:r>
-              <a:rPr lang="en-US" dirty="0">
-                <a:solidFill>
-                  <a:schemeClr val="tx2">
-                    <a:lumMod val="75000"/>
-                  </a:schemeClr>
-                </a:solidFill>
-              </a:rPr>
-              <a:t>col-md-4 </a:t>
-            </a:r>
-            <a:r>
-              <a:rPr lang="en-US" dirty="0"/>
-              <a:t>col-sm-6 col-xs-12 borders"&gt;Col 4&lt;/div&gt;</a:t>
-            </a:r>
-            <a:br>
-              <a:rPr lang="en-US" dirty="0"/>
-            </a:br>
-            <a:r>
-              <a:rPr lang="en-US" dirty="0"/>
-              <a:t>&lt;div class="</a:t>
-            </a:r>
-            <a:r>
-              <a:rPr lang="en-US" dirty="0">
-                <a:solidFill>
-                  <a:schemeClr val="tx2">
-                    <a:lumMod val="75000"/>
-                  </a:schemeClr>
-                </a:solidFill>
-              </a:rPr>
-              <a:t>col-md-4 </a:t>
-            </a:r>
-            <a:r>
-              <a:rPr lang="en-US" dirty="0"/>
-              <a:t>col-sm-6 col-xs-12 borders"&gt;Col 5&lt;/div&gt;</a:t>
-            </a:r>
-            <a:br>
-              <a:rPr lang="en-US" dirty="0"/>
-            </a:br>
-            <a:r>
-              <a:rPr lang="en-US" dirty="0"/>
-              <a:t>&lt;div class="</a:t>
-            </a:r>
-            <a:r>
-              <a:rPr lang="en-US" dirty="0">
-                <a:solidFill>
-                  <a:schemeClr val="tx2">
-                    <a:lumMod val="75000"/>
-                  </a:schemeClr>
-                </a:solidFill>
-              </a:rPr>
-              <a:t>col-md-4 </a:t>
-            </a:r>
-            <a:r>
-              <a:rPr lang="en-US" dirty="0"/>
-              <a:t>col-sm-6 col-xs-12 borders"&gt;Col 6&lt;/div&gt;</a:t>
-            </a:r>
-          </a:p>
-        </p:txBody>
-      </p:sp>
-    </p:spTree>
-    <p:extLst>
-      <p:ext uri="{BB962C8B-B14F-4D97-AF65-F5344CB8AC3E}">
-        <p14:creationId xmlns:p14="http://schemas.microsoft.com/office/powerpoint/2010/main" val="1815205987"/>
       </p:ext>
     </p:extLst>
   </p:cSld>
